--- a/Documentation/Предзащита1.pptx
+++ b/Documentation/Предзащита1.pptx
@@ -7,18 +7,21 @@
   <p:sldIdLst>
     <p:sldId id="256" r:id="rId2"/>
     <p:sldId id="257" r:id="rId3"/>
-    <p:sldId id="258" r:id="rId4"/>
-    <p:sldId id="259" r:id="rId5"/>
-    <p:sldId id="260" r:id="rId6"/>
-    <p:sldId id="261" r:id="rId7"/>
+    <p:sldId id="261" r:id="rId4"/>
+    <p:sldId id="258" r:id="rId5"/>
+    <p:sldId id="259" r:id="rId6"/>
+    <p:sldId id="260" r:id="rId7"/>
     <p:sldId id="267" r:id="rId8"/>
-    <p:sldId id="269" r:id="rId9"/>
-    <p:sldId id="262" r:id="rId10"/>
-    <p:sldId id="263" r:id="rId11"/>
-    <p:sldId id="264" r:id="rId12"/>
-    <p:sldId id="265" r:id="rId13"/>
-    <p:sldId id="266" r:id="rId14"/>
-    <p:sldId id="270" r:id="rId15"/>
+    <p:sldId id="271" r:id="rId9"/>
+    <p:sldId id="269" r:id="rId10"/>
+    <p:sldId id="272" r:id="rId11"/>
+    <p:sldId id="262" r:id="rId12"/>
+    <p:sldId id="263" r:id="rId13"/>
+    <p:sldId id="264" r:id="rId14"/>
+    <p:sldId id="273" r:id="rId15"/>
+    <p:sldId id="265" r:id="rId16"/>
+    <p:sldId id="266" r:id="rId17"/>
+    <p:sldId id="270" r:id="rId18"/>
   </p:sldIdLst>
   <p:sldSz cx="9144000" cy="6858000" type="screen4x3"/>
   <p:notesSz cx="6858000" cy="9144000"/>
@@ -301,7 +304,7 @@
           <a:p>
             <a:fld id="{6E62D75B-C3F4-4E3C-ADB7-33E3808D6CE4}" type="datetimeFigureOut">
               <a:rPr lang="ru-RU" smtClean="0"/>
-              <a:t>24.04.2024</a:t>
+              <a:t>26.04.2024</a:t>
             </a:fld>
             <a:endParaRPr lang="ru-RU"/>
           </a:p>
@@ -471,7 +474,7 @@
           <a:p>
             <a:fld id="{6E62D75B-C3F4-4E3C-ADB7-33E3808D6CE4}" type="datetimeFigureOut">
               <a:rPr lang="ru-RU" smtClean="0"/>
-              <a:t>24.04.2024</a:t>
+              <a:t>26.04.2024</a:t>
             </a:fld>
             <a:endParaRPr lang="ru-RU"/>
           </a:p>
@@ -651,7 +654,7 @@
           <a:p>
             <a:fld id="{6E62D75B-C3F4-4E3C-ADB7-33E3808D6CE4}" type="datetimeFigureOut">
               <a:rPr lang="ru-RU" smtClean="0"/>
-              <a:t>24.04.2024</a:t>
+              <a:t>26.04.2024</a:t>
             </a:fld>
             <a:endParaRPr lang="ru-RU"/>
           </a:p>
@@ -821,7 +824,7 @@
           <a:p>
             <a:fld id="{6E62D75B-C3F4-4E3C-ADB7-33E3808D6CE4}" type="datetimeFigureOut">
               <a:rPr lang="ru-RU" smtClean="0"/>
-              <a:t>24.04.2024</a:t>
+              <a:t>26.04.2024</a:t>
             </a:fld>
             <a:endParaRPr lang="ru-RU"/>
           </a:p>
@@ -1067,7 +1070,7 @@
           <a:p>
             <a:fld id="{6E62D75B-C3F4-4E3C-ADB7-33E3808D6CE4}" type="datetimeFigureOut">
               <a:rPr lang="ru-RU" smtClean="0"/>
-              <a:t>24.04.2024</a:t>
+              <a:t>26.04.2024</a:t>
             </a:fld>
             <a:endParaRPr lang="ru-RU"/>
           </a:p>
@@ -1355,7 +1358,7 @@
           <a:p>
             <a:fld id="{6E62D75B-C3F4-4E3C-ADB7-33E3808D6CE4}" type="datetimeFigureOut">
               <a:rPr lang="ru-RU" smtClean="0"/>
-              <a:t>24.04.2024</a:t>
+              <a:t>26.04.2024</a:t>
             </a:fld>
             <a:endParaRPr lang="ru-RU"/>
           </a:p>
@@ -1777,7 +1780,7 @@
           <a:p>
             <a:fld id="{6E62D75B-C3F4-4E3C-ADB7-33E3808D6CE4}" type="datetimeFigureOut">
               <a:rPr lang="ru-RU" smtClean="0"/>
-              <a:t>24.04.2024</a:t>
+              <a:t>26.04.2024</a:t>
             </a:fld>
             <a:endParaRPr lang="ru-RU"/>
           </a:p>
@@ -1895,7 +1898,7 @@
           <a:p>
             <a:fld id="{6E62D75B-C3F4-4E3C-ADB7-33E3808D6CE4}" type="datetimeFigureOut">
               <a:rPr lang="ru-RU" smtClean="0"/>
-              <a:t>24.04.2024</a:t>
+              <a:t>26.04.2024</a:t>
             </a:fld>
             <a:endParaRPr lang="ru-RU"/>
           </a:p>
@@ -1990,7 +1993,7 @@
           <a:p>
             <a:fld id="{6E62D75B-C3F4-4E3C-ADB7-33E3808D6CE4}" type="datetimeFigureOut">
               <a:rPr lang="ru-RU" smtClean="0"/>
-              <a:t>24.04.2024</a:t>
+              <a:t>26.04.2024</a:t>
             </a:fld>
             <a:endParaRPr lang="ru-RU"/>
           </a:p>
@@ -2267,7 +2270,7 @@
           <a:p>
             <a:fld id="{6E62D75B-C3F4-4E3C-ADB7-33E3808D6CE4}" type="datetimeFigureOut">
               <a:rPr lang="ru-RU" smtClean="0"/>
-              <a:t>24.04.2024</a:t>
+              <a:t>26.04.2024</a:t>
             </a:fld>
             <a:endParaRPr lang="ru-RU"/>
           </a:p>
@@ -2520,7 +2523,7 @@
           <a:p>
             <a:fld id="{6E62D75B-C3F4-4E3C-ADB7-33E3808D6CE4}" type="datetimeFigureOut">
               <a:rPr lang="ru-RU" smtClean="0"/>
-              <a:t>24.04.2024</a:t>
+              <a:t>26.04.2024</a:t>
             </a:fld>
             <a:endParaRPr lang="ru-RU"/>
           </a:p>
@@ -2733,7 +2736,7 @@
           <a:p>
             <a:fld id="{6E62D75B-C3F4-4E3C-ADB7-33E3808D6CE4}" type="datetimeFigureOut">
               <a:rPr lang="ru-RU" smtClean="0"/>
-              <a:t>24.04.2024</a:t>
+              <a:t>26.04.2024</a:t>
             </a:fld>
             <a:endParaRPr lang="ru-RU"/>
           </a:p>
@@ -3304,100 +3307,70 @@
           <a:p>
             <a:r>
               <a:rPr lang="ru-RU" dirty="0" smtClean="0"/>
-              <a:t>Функциональные требования</a:t>
+              <a:t>Как решалась задача ранее</a:t>
             </a:r>
             <a:endParaRPr lang="ru-RU" dirty="0"/>
           </a:p>
         </p:txBody>
       </p:sp>
-      <p:sp>
-        <p:nvSpPr>
-          <p:cNvPr id="3" name="Подзаголовок 2"/>
-          <p:cNvSpPr>
-            <a:spLocks noGrp="1"/>
-          </p:cNvSpPr>
-          <p:nvPr>
-            <p:ph type="subTitle" idx="1"/>
-          </p:nvPr>
-        </p:nvSpPr>
-        <p:spPr>
+      <p:pic>
+        <p:nvPicPr>
+          <p:cNvPr id="1026" name="Picture 2"/>
+          <p:cNvPicPr>
+            <a:picLocks noChangeAspect="1" noChangeArrowheads="1"/>
+          </p:cNvPicPr>
+          <p:nvPr/>
+        </p:nvPicPr>
+        <p:blipFill>
+          <a:blip r:embed="rId2">
+            <a:extLst>
+              <a:ext uri="{28A0092B-C50C-407E-A947-70E740481C1C}">
+                <a14:useLocalDpi xmlns:a14="http://schemas.microsoft.com/office/drawing/2010/main" val="0"/>
+              </a:ext>
+            </a:extLst>
+          </a:blip>
+          <a:srcRect/>
+          <a:stretch>
+            <a:fillRect/>
+          </a:stretch>
+        </p:blipFill>
+        <p:spPr bwMode="auto">
           <a:xfrm>
-            <a:off x="498190" y="1340768"/>
-            <a:ext cx="8106258" cy="4896544"/>
+            <a:off x="179512" y="1418387"/>
+            <a:ext cx="8800588" cy="4063365"/>
           </a:xfrm>
+          <a:prstGeom prst="rect">
+            <a:avLst/>
+          </a:prstGeom>
+          <a:noFill/>
+          <a:ln>
+            <a:noFill/>
+          </a:ln>
+          <a:extLst>
+            <a:ext uri="{909E8E84-426E-40DD-AFC4-6F175D3DCCD1}">
+              <a14:hiddenFill xmlns:a14="http://schemas.microsoft.com/office/drawing/2010/main">
+                <a:solidFill>
+                  <a:schemeClr val="accent1"/>
+                </a:solidFill>
+              </a14:hiddenFill>
+            </a:ext>
+            <a:ext uri="{91240B29-F687-4F45-9708-019B960494DF}">
+              <a14:hiddenLine xmlns:a14="http://schemas.microsoft.com/office/drawing/2010/main" w="9525">
+                <a:solidFill>
+                  <a:schemeClr val="tx1"/>
+                </a:solidFill>
+                <a:miter lim="800000"/>
+                <a:headEnd/>
+                <a:tailEnd/>
+              </a14:hiddenLine>
+            </a:ext>
+          </a:extLst>
         </p:spPr>
-        <p:txBody>
-          <a:bodyPr/>
-          <a:lstStyle/>
-          <a:p>
-            <a:pPr marL="457200" indent="-457200" algn="l">
-              <a:buFont typeface="Arial" panose="020B0604020202020204" pitchFamily="34" charset="0"/>
-              <a:buChar char="•"/>
-            </a:pPr>
-            <a:r>
-              <a:rPr lang="ru-RU" dirty="0" smtClean="0">
-                <a:solidFill>
-                  <a:schemeClr val="tx1"/>
-                </a:solidFill>
-              </a:rPr>
-              <a:t>Создание, удаление, редактирование записей ссылок, новых категорий и интеллектуальных карт</a:t>
-            </a:r>
-          </a:p>
-          <a:p>
-            <a:pPr marL="457200" indent="-457200" algn="l">
-              <a:buFont typeface="Arial" panose="020B0604020202020204" pitchFamily="34" charset="0"/>
-              <a:buChar char="•"/>
-            </a:pPr>
-            <a:r>
-              <a:rPr lang="ru-RU" dirty="0" smtClean="0">
-                <a:solidFill>
-                  <a:schemeClr val="tx1"/>
-                </a:solidFill>
-              </a:rPr>
-              <a:t>Организация ссылок по категориям и картам</a:t>
-            </a:r>
-          </a:p>
-          <a:p>
-            <a:pPr marL="457200" indent="-457200" algn="l">
-              <a:buFont typeface="Arial" panose="020B0604020202020204" pitchFamily="34" charset="0"/>
-              <a:buChar char="•"/>
-            </a:pPr>
-            <a:r>
-              <a:rPr lang="ru-RU" dirty="0" smtClean="0">
-                <a:solidFill>
-                  <a:schemeClr val="tx1"/>
-                </a:solidFill>
-              </a:rPr>
-              <a:t>Отображение имеющихся записей в форме архива и в форме карт</a:t>
-            </a:r>
-          </a:p>
-          <a:p>
-            <a:pPr marL="457200" indent="-457200" algn="l">
-              <a:buFont typeface="Arial" panose="020B0604020202020204" pitchFamily="34" charset="0"/>
-              <a:buChar char="•"/>
-            </a:pPr>
-            <a:r>
-              <a:rPr lang="ru-RU" dirty="0" smtClean="0">
-                <a:solidFill>
-                  <a:schemeClr val="tx1"/>
-                </a:solidFill>
-              </a:rPr>
-              <a:t>Наличие напоминаний о прочитанных или отложенных ссылках</a:t>
-            </a:r>
-          </a:p>
-          <a:p>
-            <a:pPr marL="457200" indent="-457200">
-              <a:buFont typeface="Arial" panose="020B0604020202020204" pitchFamily="34" charset="0"/>
-              <a:buChar char="•"/>
-            </a:pPr>
-            <a:endParaRPr lang="ru-RU" dirty="0"/>
-          </a:p>
-        </p:txBody>
-      </p:sp>
+      </p:pic>
     </p:spTree>
     <p:extLst>
       <p:ext uri="{BB962C8B-B14F-4D97-AF65-F5344CB8AC3E}">
-        <p14:creationId xmlns:p14="http://schemas.microsoft.com/office/powerpoint/2010/main" val="197728668"/>
+        <p14:creationId xmlns:p14="http://schemas.microsoft.com/office/powerpoint/2010/main" val="2295937450"/>
       </p:ext>
     </p:extLst>
   </p:cSld>
@@ -3448,140 +3421,80 @@
           <a:p>
             <a:r>
               <a:rPr lang="ru-RU" dirty="0" smtClean="0"/>
-              <a:t>Входные и выходные данные</a:t>
+              <a:t>Предлагаемое решение</a:t>
             </a:r>
             <a:endParaRPr lang="ru-RU" dirty="0"/>
           </a:p>
         </p:txBody>
       </p:sp>
-      <p:sp>
-        <p:nvSpPr>
-          <p:cNvPr id="3" name="Подзаголовок 2"/>
-          <p:cNvSpPr>
-            <a:spLocks noGrp="1"/>
-          </p:cNvSpPr>
-          <p:nvPr>
-            <p:ph type="subTitle" idx="1"/>
-          </p:nvPr>
-        </p:nvSpPr>
-        <p:spPr>
+      <p:pic>
+        <p:nvPicPr>
+          <p:cNvPr id="1026" name="Picture 2"/>
+          <p:cNvPicPr>
+            <a:picLocks noChangeAspect="1" noChangeArrowheads="1"/>
+          </p:cNvPicPr>
+          <p:nvPr/>
+        </p:nvPicPr>
+        <p:blipFill>
+          <a:blip r:embed="rId2">
+            <a:extLst>
+              <a:ext uri="{28A0092B-C50C-407E-A947-70E740481C1C}">
+                <a14:useLocalDpi xmlns:a14="http://schemas.microsoft.com/office/drawing/2010/main" val="0"/>
+              </a:ext>
+            </a:extLst>
+          </a:blip>
+          <a:srcRect/>
+          <a:stretch>
+            <a:fillRect/>
+          </a:stretch>
+        </p:blipFill>
+        <p:spPr bwMode="auto">
           <a:xfrm>
-            <a:off x="498190" y="1340768"/>
-            <a:ext cx="8106258" cy="4896544"/>
+            <a:off x="179512" y="1268760"/>
+            <a:ext cx="8824363" cy="4912960"/>
           </a:xfrm>
+          <a:prstGeom prst="rect">
+            <a:avLst/>
+          </a:prstGeom>
+          <a:noFill/>
+          <a:ln>
+            <a:noFill/>
+          </a:ln>
+          <a:effectLst/>
+          <a:extLst>
+            <a:ext uri="{909E8E84-426E-40DD-AFC4-6F175D3DCCD1}">
+              <a14:hiddenFill xmlns:a14="http://schemas.microsoft.com/office/drawing/2010/main">
+                <a:solidFill>
+                  <a:schemeClr val="accent1"/>
+                </a:solidFill>
+              </a14:hiddenFill>
+            </a:ext>
+            <a:ext uri="{91240B29-F687-4F45-9708-019B960494DF}">
+              <a14:hiddenLine xmlns:a14="http://schemas.microsoft.com/office/drawing/2010/main" w="9525">
+                <a:solidFill>
+                  <a:schemeClr val="tx1"/>
+                </a:solidFill>
+                <a:miter lim="800000"/>
+                <a:headEnd/>
+                <a:tailEnd/>
+              </a14:hiddenLine>
+            </a:ext>
+            <a:ext uri="{AF507438-7753-43E0-B8FC-AC1667EBCBE1}">
+              <a14:hiddenEffects xmlns:a14="http://schemas.microsoft.com/office/drawing/2010/main">
+                <a:effectLst>
+                  <a:outerShdw dist="35921" dir="2700000" algn="ctr" rotWithShape="0">
+                    <a:schemeClr val="bg2"/>
+                  </a:outerShdw>
+                </a:effectLst>
+              </a14:hiddenEffects>
+            </a:ext>
+          </a:extLst>
         </p:spPr>
-        <p:txBody>
-          <a:bodyPr>
-            <a:normAutofit lnSpcReduction="10000"/>
-          </a:bodyPr>
-          <a:lstStyle/>
-          <a:p>
-            <a:pPr algn="l"/>
-            <a:r>
-              <a:rPr lang="ru-RU" b="1" dirty="0" smtClean="0">
-                <a:solidFill>
-                  <a:schemeClr val="tx1"/>
-                </a:solidFill>
-              </a:rPr>
-              <a:t>Входные данные: </a:t>
-            </a:r>
-          </a:p>
-          <a:p>
-            <a:pPr marL="457200" indent="-457200" algn="l">
-              <a:buFont typeface="Arial" panose="020B0604020202020204" pitchFamily="34" charset="0"/>
-              <a:buChar char="•"/>
-            </a:pPr>
-            <a:r>
-              <a:rPr lang="ru-RU" dirty="0" smtClean="0">
-                <a:solidFill>
-                  <a:schemeClr val="tx1"/>
-                </a:solidFill>
-              </a:rPr>
-              <a:t>Ссылки на </a:t>
-            </a:r>
-            <a:r>
-              <a:rPr lang="ru-RU" dirty="0" err="1" smtClean="0">
-                <a:solidFill>
-                  <a:schemeClr val="tx1"/>
-                </a:solidFill>
-              </a:rPr>
-              <a:t>интернет-ресурсы</a:t>
-            </a:r>
-            <a:r>
-              <a:rPr lang="ru-RU" dirty="0" smtClean="0">
-                <a:solidFill>
-                  <a:schemeClr val="tx1"/>
-                </a:solidFill>
-              </a:rPr>
-              <a:t>, их категории и описания</a:t>
-            </a:r>
-          </a:p>
-          <a:p>
-            <a:pPr algn="l"/>
-            <a:endParaRPr lang="ru-RU" dirty="0">
-              <a:solidFill>
-                <a:schemeClr val="tx1"/>
-              </a:solidFill>
-            </a:endParaRPr>
-          </a:p>
-          <a:p>
-            <a:pPr algn="l"/>
-            <a:r>
-              <a:rPr lang="ru-RU" b="1" dirty="0" smtClean="0">
-                <a:solidFill>
-                  <a:schemeClr val="tx1"/>
-                </a:solidFill>
-              </a:rPr>
-              <a:t>Выходные данные: </a:t>
-            </a:r>
-          </a:p>
-          <a:p>
-            <a:pPr marL="514350" indent="-514350" algn="l">
-              <a:buFont typeface="Arial" panose="020B0604020202020204" pitchFamily="34" charset="0"/>
-              <a:buChar char="•"/>
-            </a:pPr>
-            <a:r>
-              <a:rPr lang="ru-RU" dirty="0" smtClean="0">
-                <a:solidFill>
-                  <a:schemeClr val="tx1"/>
-                </a:solidFill>
-              </a:rPr>
-              <a:t>Архив ссылок, сгруппированных по категориям</a:t>
-            </a:r>
-          </a:p>
-          <a:p>
-            <a:pPr marL="514350" indent="-514350" algn="l">
-              <a:buFont typeface="Arial" panose="020B0604020202020204" pitchFamily="34" charset="0"/>
-              <a:buChar char="•"/>
-            </a:pPr>
-            <a:r>
-              <a:rPr lang="ru-RU" dirty="0" smtClean="0">
-                <a:solidFill>
-                  <a:schemeClr val="tx1"/>
-                </a:solidFill>
-              </a:rPr>
-              <a:t>Визуальное представление записей в виде </a:t>
-            </a:r>
-            <a:r>
-              <a:rPr lang="ru-RU" dirty="0" smtClean="0">
-                <a:solidFill>
-                  <a:schemeClr val="tx1"/>
-                </a:solidFill>
-              </a:rPr>
-              <a:t>интеллектуальных карт</a:t>
-            </a:r>
-            <a:endParaRPr lang="ru-RU" dirty="0">
-              <a:solidFill>
-                <a:schemeClr val="tx1"/>
-              </a:solidFill>
-            </a:endParaRPr>
-          </a:p>
-        </p:txBody>
-      </p:sp>
+      </p:pic>
     </p:spTree>
     <p:extLst>
       <p:ext uri="{BB962C8B-B14F-4D97-AF65-F5344CB8AC3E}">
-        <p14:creationId xmlns:p14="http://schemas.microsoft.com/office/powerpoint/2010/main" val="3278695884"/>
+        <p14:creationId xmlns:p14="http://schemas.microsoft.com/office/powerpoint/2010/main" val="3514561471"/>
       </p:ext>
     </p:extLst>
   </p:cSld>
@@ -3632,39 +3545,15 @@
           <a:p>
             <a:r>
               <a:rPr lang="ru-RU" dirty="0" smtClean="0"/>
-              <a:t>Структура классов</a:t>
-            </a:r>
-            <a:endParaRPr lang="ru-RU" dirty="0"/>
-          </a:p>
-        </p:txBody>
-      </p:sp>
-      <p:sp>
-        <p:nvSpPr>
-          <p:cNvPr id="3" name="Подзаголовок 2"/>
-          <p:cNvSpPr>
-            <a:spLocks noGrp="1"/>
-          </p:cNvSpPr>
-          <p:nvPr>
-            <p:ph type="subTitle" idx="1"/>
-          </p:nvPr>
-        </p:nvSpPr>
-        <p:spPr>
-          <a:xfrm>
-            <a:off x="498190" y="1340768"/>
-            <a:ext cx="8106258" cy="4896544"/>
-          </a:xfrm>
-        </p:spPr>
-        <p:txBody>
-          <a:bodyPr/>
-          <a:lstStyle/>
-          <a:p>
+              <a:t>Функциональные требования</a:t>
+            </a:r>
             <a:endParaRPr lang="ru-RU" dirty="0"/>
           </a:p>
         </p:txBody>
       </p:sp>
       <p:pic>
         <p:nvPicPr>
-          <p:cNvPr id="2050" name="Picture 2"/>
+          <p:cNvPr id="2050" name="Picture 2" descr="D:\Univer\4gradeSem1\deeplom\UseCase Diagram0.png"/>
           <p:cNvPicPr>
             <a:picLocks noChangeAspect="1" noChangeArrowheads="1"/>
           </p:cNvPicPr>
@@ -3685,43 +3574,20 @@
         </p:blipFill>
         <p:spPr bwMode="auto">
           <a:xfrm>
-            <a:off x="167388" y="908720"/>
-            <a:ext cx="8797100" cy="5800614"/>
+            <a:off x="1835696" y="836712"/>
+            <a:ext cx="5588000" cy="5892800"/>
           </a:xfrm>
           <a:prstGeom prst="rect">
             <a:avLst/>
           </a:prstGeom>
           <a:noFill/>
-          <a:ln>
-            <a:noFill/>
-          </a:ln>
-          <a:effectLst/>
           <a:extLst>
             <a:ext uri="{909E8E84-426E-40DD-AFC4-6F175D3DCCD1}">
               <a14:hiddenFill xmlns:a14="http://schemas.microsoft.com/office/drawing/2010/main">
                 <a:solidFill>
-                  <a:schemeClr val="accent1"/>
+                  <a:srgbClr val="FFFFFF"/>
                 </a:solidFill>
               </a14:hiddenFill>
-            </a:ext>
-            <a:ext uri="{91240B29-F687-4F45-9708-019B960494DF}">
-              <a14:hiddenLine xmlns:a14="http://schemas.microsoft.com/office/drawing/2010/main" w="9525">
-                <a:solidFill>
-                  <a:schemeClr val="tx1"/>
-                </a:solidFill>
-                <a:miter lim="800000"/>
-                <a:headEnd/>
-                <a:tailEnd/>
-              </a14:hiddenLine>
-            </a:ext>
-            <a:ext uri="{AF507438-7753-43E0-B8FC-AC1667EBCBE1}">
-              <a14:hiddenEffects xmlns:a14="http://schemas.microsoft.com/office/drawing/2010/main">
-                <a:effectLst>
-                  <a:outerShdw dist="35921" dir="2700000" algn="ctr" rotWithShape="0">
-                    <a:schemeClr val="bg2"/>
-                  </a:outerShdw>
-                </a:effectLst>
-              </a14:hiddenEffects>
             </a:ext>
           </a:extLst>
         </p:spPr>
@@ -3729,7 +3595,7 @@
     </p:spTree>
     <p:extLst>
       <p:ext uri="{BB962C8B-B14F-4D97-AF65-F5344CB8AC3E}">
-        <p14:creationId xmlns:p14="http://schemas.microsoft.com/office/powerpoint/2010/main" val="3515527969"/>
+        <p14:creationId xmlns:p14="http://schemas.microsoft.com/office/powerpoint/2010/main" val="197728668"/>
       </p:ext>
     </p:extLst>
   </p:cSld>
@@ -3780,7 +3646,7 @@
           <a:p>
             <a:r>
               <a:rPr lang="ru-RU" dirty="0" smtClean="0"/>
-              <a:t>Структура базы данных</a:t>
+              <a:t>Входные и выходные данные</a:t>
             </a:r>
             <a:endParaRPr lang="ru-RU" dirty="0"/>
           </a:p>
@@ -3803,16 +3669,445 @@
           </a:xfrm>
         </p:spPr>
         <p:txBody>
-          <a:bodyPr/>
-          <a:lstStyle/>
-          <a:p>
+          <a:bodyPr>
+            <a:normAutofit lnSpcReduction="10000"/>
+          </a:bodyPr>
+          <a:lstStyle/>
+          <a:p>
+            <a:pPr algn="l"/>
+            <a:r>
+              <a:rPr lang="ru-RU" b="1" dirty="0" smtClean="0">
+                <a:solidFill>
+                  <a:schemeClr val="tx1"/>
+                </a:solidFill>
+              </a:rPr>
+              <a:t>Входные данные: </a:t>
+            </a:r>
+          </a:p>
+          <a:p>
+            <a:pPr marL="457200" indent="-457200" algn="l">
+              <a:buFont typeface="Arial" panose="020B0604020202020204" pitchFamily="34" charset="0"/>
+              <a:buChar char="•"/>
+            </a:pPr>
+            <a:r>
+              <a:rPr lang="ru-RU" dirty="0" smtClean="0">
+                <a:solidFill>
+                  <a:schemeClr val="tx1"/>
+                </a:solidFill>
+              </a:rPr>
+              <a:t>Ссылки на </a:t>
+            </a:r>
+            <a:r>
+              <a:rPr lang="ru-RU" dirty="0" err="1" smtClean="0">
+                <a:solidFill>
+                  <a:schemeClr val="tx1"/>
+                </a:solidFill>
+              </a:rPr>
+              <a:t>интернет-ресурсы</a:t>
+            </a:r>
+            <a:r>
+              <a:rPr lang="ru-RU" dirty="0" smtClean="0">
+                <a:solidFill>
+                  <a:schemeClr val="tx1"/>
+                </a:solidFill>
+              </a:rPr>
+              <a:t>, их категории и описания</a:t>
+            </a:r>
+          </a:p>
+          <a:p>
+            <a:pPr algn="l"/>
+            <a:endParaRPr lang="ru-RU" dirty="0">
+              <a:solidFill>
+                <a:schemeClr val="tx1"/>
+              </a:solidFill>
+            </a:endParaRPr>
+          </a:p>
+          <a:p>
+            <a:pPr algn="l"/>
+            <a:r>
+              <a:rPr lang="ru-RU" b="1" dirty="0" smtClean="0">
+                <a:solidFill>
+                  <a:schemeClr val="tx1"/>
+                </a:solidFill>
+              </a:rPr>
+              <a:t>Выходные данные: </a:t>
+            </a:r>
+          </a:p>
+          <a:p>
+            <a:pPr marL="514350" indent="-514350" algn="l">
+              <a:buFont typeface="Arial" panose="020B0604020202020204" pitchFamily="34" charset="0"/>
+              <a:buChar char="•"/>
+            </a:pPr>
+            <a:r>
+              <a:rPr lang="ru-RU" dirty="0" smtClean="0">
+                <a:solidFill>
+                  <a:schemeClr val="tx1"/>
+                </a:solidFill>
+              </a:rPr>
+              <a:t>Архив ссылок, сгруппированных по категориям</a:t>
+            </a:r>
+          </a:p>
+          <a:p>
+            <a:pPr marL="514350" indent="-514350" algn="l">
+              <a:buFont typeface="Arial" panose="020B0604020202020204" pitchFamily="34" charset="0"/>
+              <a:buChar char="•"/>
+            </a:pPr>
+            <a:r>
+              <a:rPr lang="ru-RU" dirty="0" smtClean="0">
+                <a:solidFill>
+                  <a:schemeClr val="tx1"/>
+                </a:solidFill>
+              </a:rPr>
+              <a:t>Визуальное представление записей в виде интеллектуальных карт</a:t>
+            </a:r>
+            <a:endParaRPr lang="ru-RU" dirty="0">
+              <a:solidFill>
+                <a:schemeClr val="tx1"/>
+              </a:solidFill>
+            </a:endParaRPr>
+          </a:p>
+        </p:txBody>
+      </p:sp>
+    </p:spTree>
+    <p:extLst>
+      <p:ext uri="{BB962C8B-B14F-4D97-AF65-F5344CB8AC3E}">
+        <p14:creationId xmlns:p14="http://schemas.microsoft.com/office/powerpoint/2010/main" val="3278695884"/>
+      </p:ext>
+    </p:extLst>
+  </p:cSld>
+  <p:clrMapOvr>
+    <a:masterClrMapping/>
+  </p:clrMapOvr>
+</p:sld>
+</file>
+
+<file path=ppt/slides/slide14.xml><?xml version="1.0" encoding="utf-8"?>
+<p:sld xmlns:a="http://schemas.openxmlformats.org/drawingml/2006/main" xmlns:r="http://schemas.openxmlformats.org/officeDocument/2006/relationships" xmlns:p="http://schemas.openxmlformats.org/presentationml/2006/main">
+  <p:cSld>
+    <p:spTree>
+      <p:nvGrpSpPr>
+        <p:cNvPr id="1" name=""/>
+        <p:cNvGrpSpPr/>
+        <p:nvPr/>
+      </p:nvGrpSpPr>
+      <p:grpSpPr>
+        <a:xfrm>
+          <a:off x="0" y="0"/>
+          <a:ext cx="0" cy="0"/>
+          <a:chOff x="0" y="0"/>
+          <a:chExt cx="0" cy="0"/>
+        </a:xfrm>
+      </p:grpSpPr>
+      <p:sp>
+        <p:nvSpPr>
+          <p:cNvPr id="2" name="Заголовок 1"/>
+          <p:cNvSpPr>
+            <a:spLocks noGrp="1"/>
+          </p:cNvSpPr>
+          <p:nvPr>
+            <p:ph type="ctrTitle"/>
+          </p:nvPr>
+        </p:nvSpPr>
+        <p:spPr>
+          <a:xfrm>
+            <a:off x="467544" y="188640"/>
+            <a:ext cx="8136904" cy="648071"/>
+          </a:xfrm>
+        </p:spPr>
+        <p:txBody>
+          <a:bodyPr>
+            <a:normAutofit fontScale="90000"/>
+          </a:bodyPr>
+          <a:lstStyle/>
+          <a:p>
+            <a:r>
+              <a:rPr lang="ru-RU" dirty="0" smtClean="0"/>
+              <a:t>Инструментальные средства</a:t>
+            </a:r>
+            <a:endParaRPr lang="ru-RU" dirty="0"/>
+          </a:p>
+        </p:txBody>
+      </p:sp>
+      <p:sp>
+        <p:nvSpPr>
+          <p:cNvPr id="3" name="Подзаголовок 2"/>
+          <p:cNvSpPr>
+            <a:spLocks noGrp="1"/>
+          </p:cNvSpPr>
+          <p:nvPr>
+            <p:ph type="subTitle" idx="1"/>
+          </p:nvPr>
+        </p:nvSpPr>
+        <p:spPr>
+          <a:xfrm>
+            <a:off x="498190" y="1340768"/>
+            <a:ext cx="8106258" cy="4896544"/>
+          </a:xfrm>
+        </p:spPr>
+        <p:txBody>
+          <a:bodyPr>
+            <a:normAutofit/>
+          </a:bodyPr>
+          <a:lstStyle/>
+          <a:p>
+            <a:pPr marL="457200" indent="-457200" algn="l">
+              <a:buFont typeface="Arial" panose="020B0604020202020204" pitchFamily="34" charset="0"/>
+              <a:buChar char="•"/>
+            </a:pPr>
+            <a:r>
+              <a:rPr lang="en-US" dirty="0" smtClean="0">
+                <a:solidFill>
+                  <a:schemeClr val="tx1"/>
+                </a:solidFill>
+              </a:rPr>
+              <a:t>React JS</a:t>
+            </a:r>
+          </a:p>
+          <a:p>
+            <a:pPr marL="457200" indent="-457200" algn="l">
+              <a:buFont typeface="Arial" panose="020B0604020202020204" pitchFamily="34" charset="0"/>
+              <a:buChar char="•"/>
+            </a:pPr>
+            <a:r>
+              <a:rPr lang="en-US" dirty="0" smtClean="0">
+                <a:solidFill>
+                  <a:schemeClr val="tx1"/>
+                </a:solidFill>
+              </a:rPr>
+              <a:t>Express JS</a:t>
+            </a:r>
+          </a:p>
+          <a:p>
+            <a:pPr marL="457200" indent="-457200" algn="l">
+              <a:buFont typeface="Arial" panose="020B0604020202020204" pitchFamily="34" charset="0"/>
+              <a:buChar char="•"/>
+            </a:pPr>
+            <a:r>
+              <a:rPr lang="en-US" dirty="0" err="1" smtClean="0">
+                <a:solidFill>
+                  <a:schemeClr val="tx1"/>
+                </a:solidFill>
+              </a:rPr>
+              <a:t>Prisma</a:t>
+            </a:r>
+            <a:r>
+              <a:rPr lang="en-US" dirty="0" smtClean="0">
+                <a:solidFill>
+                  <a:schemeClr val="tx1"/>
+                </a:solidFill>
+              </a:rPr>
+              <a:t> ORM</a:t>
+            </a:r>
+          </a:p>
+          <a:p>
+            <a:pPr marL="457200" indent="-457200" algn="l">
+              <a:buFont typeface="Arial" panose="020B0604020202020204" pitchFamily="34" charset="0"/>
+              <a:buChar char="•"/>
+            </a:pPr>
+            <a:r>
+              <a:rPr lang="en-US" dirty="0" smtClean="0">
+                <a:solidFill>
+                  <a:schemeClr val="tx1"/>
+                </a:solidFill>
+              </a:rPr>
+              <a:t>MySQL</a:t>
+            </a:r>
+            <a:endParaRPr lang="ru-RU" dirty="0">
+              <a:solidFill>
+                <a:schemeClr val="tx1"/>
+              </a:solidFill>
+            </a:endParaRPr>
+          </a:p>
+        </p:txBody>
+      </p:sp>
+    </p:spTree>
+    <p:extLst>
+      <p:ext uri="{BB962C8B-B14F-4D97-AF65-F5344CB8AC3E}">
+        <p14:creationId xmlns:p14="http://schemas.microsoft.com/office/powerpoint/2010/main" val="1100387684"/>
+      </p:ext>
+    </p:extLst>
+  </p:cSld>
+  <p:clrMapOvr>
+    <a:masterClrMapping/>
+  </p:clrMapOvr>
+</p:sld>
+</file>
+
+<file path=ppt/slides/slide15.xml><?xml version="1.0" encoding="utf-8"?>
+<p:sld xmlns:a="http://schemas.openxmlformats.org/drawingml/2006/main" xmlns:r="http://schemas.openxmlformats.org/officeDocument/2006/relationships" xmlns:p="http://schemas.openxmlformats.org/presentationml/2006/main">
+  <p:cSld>
+    <p:spTree>
+      <p:nvGrpSpPr>
+        <p:cNvPr id="1" name=""/>
+        <p:cNvGrpSpPr/>
+        <p:nvPr/>
+      </p:nvGrpSpPr>
+      <p:grpSpPr>
+        <a:xfrm>
+          <a:off x="0" y="0"/>
+          <a:ext cx="0" cy="0"/>
+          <a:chOff x="0" y="0"/>
+          <a:chExt cx="0" cy="0"/>
+        </a:xfrm>
+      </p:grpSpPr>
+      <p:sp>
+        <p:nvSpPr>
+          <p:cNvPr id="2" name="Заголовок 1"/>
+          <p:cNvSpPr>
+            <a:spLocks noGrp="1"/>
+          </p:cNvSpPr>
+          <p:nvPr>
+            <p:ph type="ctrTitle"/>
+          </p:nvPr>
+        </p:nvSpPr>
+        <p:spPr>
+          <a:xfrm>
+            <a:off x="467544" y="188640"/>
+            <a:ext cx="8136904" cy="648071"/>
+          </a:xfrm>
+        </p:spPr>
+        <p:txBody>
+          <a:bodyPr>
+            <a:normAutofit fontScale="90000"/>
+          </a:bodyPr>
+          <a:lstStyle/>
+          <a:p>
+            <a:r>
+              <a:rPr lang="ru-RU" dirty="0" smtClean="0"/>
+              <a:t>Структура классов концептуального уровня</a:t>
+            </a:r>
             <a:endParaRPr lang="ru-RU" dirty="0"/>
           </a:p>
         </p:txBody>
       </p:sp>
       <p:pic>
         <p:nvPicPr>
-          <p:cNvPr id="4" name="Picture 3" descr="C:\Users\Ira\Downloads\image (2).png"/>
+          <p:cNvPr id="2050" name="Picture 2" descr="D:\Univer\4gradeSem1\deeplom\Class Diagram0.png"/>
+          <p:cNvPicPr>
+            <a:picLocks noChangeAspect="1" noChangeArrowheads="1"/>
+          </p:cNvPicPr>
+          <p:nvPr/>
+        </p:nvPicPr>
+        <p:blipFill>
+          <a:blip r:embed="rId2">
+            <a:extLst>
+              <a:ext uri="{28A0092B-C50C-407E-A947-70E740481C1C}">
+                <a14:useLocalDpi xmlns:a14="http://schemas.microsoft.com/office/drawing/2010/main" val="0"/>
+              </a:ext>
+            </a:extLst>
+          </a:blip>
+          <a:srcRect/>
+          <a:stretch>
+            <a:fillRect/>
+          </a:stretch>
+        </p:blipFill>
+        <p:spPr bwMode="auto">
+          <a:xfrm>
+            <a:off x="899592" y="1196752"/>
+            <a:ext cx="7670800" cy="5308600"/>
+          </a:xfrm>
+          <a:prstGeom prst="rect">
+            <a:avLst/>
+          </a:prstGeom>
+          <a:noFill/>
+          <a:extLst>
+            <a:ext uri="{909E8E84-426E-40DD-AFC4-6F175D3DCCD1}">
+              <a14:hiddenFill xmlns:a14="http://schemas.microsoft.com/office/drawing/2010/main">
+                <a:solidFill>
+                  <a:srgbClr val="FFFFFF"/>
+                </a:solidFill>
+              </a14:hiddenFill>
+            </a:ext>
+          </a:extLst>
+        </p:spPr>
+      </p:pic>
+    </p:spTree>
+    <p:extLst>
+      <p:ext uri="{BB962C8B-B14F-4D97-AF65-F5344CB8AC3E}">
+        <p14:creationId xmlns:p14="http://schemas.microsoft.com/office/powerpoint/2010/main" val="3515527969"/>
+      </p:ext>
+    </p:extLst>
+  </p:cSld>
+  <p:clrMapOvr>
+    <a:masterClrMapping/>
+  </p:clrMapOvr>
+</p:sld>
+</file>
+
+<file path=ppt/slides/slide16.xml><?xml version="1.0" encoding="utf-8"?>
+<p:sld xmlns:a="http://schemas.openxmlformats.org/drawingml/2006/main" xmlns:r="http://schemas.openxmlformats.org/officeDocument/2006/relationships" xmlns:p="http://schemas.openxmlformats.org/presentationml/2006/main">
+  <p:cSld>
+    <p:spTree>
+      <p:nvGrpSpPr>
+        <p:cNvPr id="1" name=""/>
+        <p:cNvGrpSpPr/>
+        <p:nvPr/>
+      </p:nvGrpSpPr>
+      <p:grpSpPr>
+        <a:xfrm>
+          <a:off x="0" y="0"/>
+          <a:ext cx="0" cy="0"/>
+          <a:chOff x="0" y="0"/>
+          <a:chExt cx="0" cy="0"/>
+        </a:xfrm>
+      </p:grpSpPr>
+      <p:sp>
+        <p:nvSpPr>
+          <p:cNvPr id="2" name="Заголовок 1"/>
+          <p:cNvSpPr>
+            <a:spLocks noGrp="1"/>
+          </p:cNvSpPr>
+          <p:nvPr>
+            <p:ph type="ctrTitle"/>
+          </p:nvPr>
+        </p:nvSpPr>
+        <p:spPr>
+          <a:xfrm>
+            <a:off x="467544" y="188640"/>
+            <a:ext cx="8136904" cy="648071"/>
+          </a:xfrm>
+        </p:spPr>
+        <p:txBody>
+          <a:bodyPr>
+            <a:normAutofit fontScale="90000"/>
+          </a:bodyPr>
+          <a:lstStyle/>
+          <a:p>
+            <a:r>
+              <a:rPr lang="ru-RU" dirty="0" smtClean="0"/>
+              <a:t>Структура базы данных</a:t>
+            </a:r>
+            <a:endParaRPr lang="ru-RU" dirty="0"/>
+          </a:p>
+        </p:txBody>
+      </p:sp>
+      <p:sp>
+        <p:nvSpPr>
+          <p:cNvPr id="3" name="Подзаголовок 2"/>
+          <p:cNvSpPr>
+            <a:spLocks noGrp="1"/>
+          </p:cNvSpPr>
+          <p:nvPr>
+            <p:ph type="subTitle" idx="1"/>
+          </p:nvPr>
+        </p:nvSpPr>
+        <p:spPr>
+          <a:xfrm>
+            <a:off x="498190" y="1340768"/>
+            <a:ext cx="8106258" cy="4896544"/>
+          </a:xfrm>
+        </p:spPr>
+        <p:txBody>
+          <a:bodyPr/>
+          <a:lstStyle/>
+          <a:p>
+            <a:endParaRPr lang="ru-RU" dirty="0"/>
+          </a:p>
+        </p:txBody>
+      </p:sp>
+      <p:pic>
+        <p:nvPicPr>
+          <p:cNvPr id="1026" name="Picture 2" descr="C:\Users\Ira\Downloads\image (5).png"/>
           <p:cNvPicPr>
             <a:picLocks noChangeAspect="1" noChangeArrowheads="1"/>
           </p:cNvPicPr>
@@ -3833,8 +4128,8 @@
         </p:blipFill>
         <p:spPr bwMode="auto">
           <a:xfrm>
-            <a:off x="0" y="1010093"/>
-            <a:ext cx="9144000" cy="4837814"/>
+            <a:off x="-6856" y="1412776"/>
+            <a:ext cx="9144000" cy="4622800"/>
           </a:xfrm>
           <a:prstGeom prst="rect">
             <a:avLst/>
@@ -3864,7 +4159,7 @@
 </p:sld>
 </file>
 
-<file path=ppt/slides/slide14.xml><?xml version="1.0" encoding="utf-8"?>
+<file path=ppt/slides/slide17.xml><?xml version="1.0" encoding="utf-8"?>
 <p:sld xmlns:a="http://schemas.openxmlformats.org/drawingml/2006/main" xmlns:r="http://schemas.openxmlformats.org/officeDocument/2006/relationships" xmlns:p="http://schemas.openxmlformats.org/presentationml/2006/main">
   <p:cSld>
     <p:spTree>
@@ -4217,7 +4512,7 @@
           <a:p>
             <a:r>
               <a:rPr lang="ru-RU" dirty="0" smtClean="0"/>
-              <a:t>Цель работы и задачи исследования</a:t>
+              <a:t>Описание проблемы</a:t>
             </a:r>
             <a:endParaRPr lang="ru-RU" dirty="0"/>
           </a:p>
@@ -4240,57 +4535,26 @@
           </a:xfrm>
         </p:spPr>
         <p:txBody>
-          <a:bodyPr>
-            <a:normAutofit fontScale="85000" lnSpcReduction="20000"/>
-          </a:bodyPr>
+          <a:bodyPr/>
           <a:lstStyle/>
           <a:p>
             <a:pPr algn="l"/>
-            <a:r>
-              <a:rPr lang="ru-RU" b="1" dirty="0" smtClean="0">
-                <a:solidFill>
-                  <a:schemeClr val="tx1"/>
-                </a:solidFill>
-              </a:rPr>
-              <a:t>Цель работы: </a:t>
-            </a:r>
-            <a:r>
-              <a:rPr lang="ru-RU" dirty="0">
-                <a:solidFill>
-                  <a:schemeClr val="tx1"/>
-                </a:solidFill>
-              </a:rPr>
-              <a:t>организация </a:t>
-            </a:r>
-            <a:r>
-              <a:rPr lang="ru-RU" dirty="0" smtClean="0">
-                <a:solidFill>
-                  <a:schemeClr val="tx1"/>
-                </a:solidFill>
-              </a:rPr>
-              <a:t>управления ссылками на </a:t>
-            </a:r>
-            <a:r>
-              <a:rPr lang="ru-RU" dirty="0" err="1" smtClean="0">
-                <a:solidFill>
-                  <a:schemeClr val="tx1"/>
-                </a:solidFill>
-              </a:rPr>
-              <a:t>интернет-ресурсы</a:t>
-            </a:r>
-            <a:r>
-              <a:rPr lang="ru-RU" dirty="0" smtClean="0">
-                <a:solidFill>
-                  <a:schemeClr val="tx1"/>
-                </a:solidFill>
-              </a:rPr>
-              <a:t>, повышение производительности работы, упрощение доступа к информации и ее изучения.</a:t>
-            </a:r>
             <a:endParaRPr lang="ru-RU" dirty="0">
               <a:solidFill>
                 <a:schemeClr val="tx1"/>
               </a:solidFill>
             </a:endParaRPr>
+          </a:p>
+          <a:p>
+            <a:pPr algn="l"/>
+            <a:r>
+              <a:rPr lang="ru-RU" dirty="0" smtClean="0">
+                <a:solidFill>
+                  <a:schemeClr val="tx1"/>
+                </a:solidFill>
+              </a:rPr>
+              <a:t>Большинство сервисов, обеспечивающих хранение и работу со ссылками, не имеют: </a:t>
+            </a:r>
           </a:p>
           <a:p>
             <a:pPr algn="l"/>
@@ -4301,17 +4565,6 @@
             </a:endParaRPr>
           </a:p>
           <a:p>
-            <a:pPr algn="l"/>
-            <a:r>
-              <a:rPr lang="ru-RU" b="1" dirty="0" smtClean="0">
-                <a:solidFill>
-                  <a:schemeClr val="tx1"/>
-                </a:solidFill>
-              </a:rPr>
-              <a:t>Задачи:</a:t>
-            </a:r>
-          </a:p>
-          <a:p>
             <a:pPr marL="457200" indent="-457200" algn="l">
               <a:buFont typeface="Arial" panose="020B0604020202020204" pitchFamily="34" charset="0"/>
               <a:buChar char="•"/>
@@ -4322,37 +4575,8 @@
                   <a:schemeClr val="tx1"/>
                 </a:solidFill>
               </a:rPr>
-              <a:t>Анализ </a:t>
-            </a:r>
-            <a:r>
-              <a:rPr lang="ru-RU" dirty="0">
-                <a:solidFill>
-                  <a:schemeClr val="tx1"/>
-                </a:solidFill>
-              </a:rPr>
-              <a:t>предметной </a:t>
-            </a:r>
-            <a:r>
-              <a:rPr lang="ru-RU" dirty="0" smtClean="0">
-                <a:solidFill>
-                  <a:schemeClr val="tx1"/>
-                </a:solidFill>
-              </a:rPr>
-              <a:t>области, существующих </a:t>
-            </a:r>
-            <a:r>
-              <a:rPr lang="ru-RU" dirty="0">
-                <a:solidFill>
-                  <a:schemeClr val="tx1"/>
-                </a:solidFill>
-              </a:rPr>
-              <a:t>аналогов </a:t>
-            </a:r>
-            <a:endParaRPr lang="ru-RU" dirty="0" smtClean="0">
-              <a:solidFill>
-                <a:schemeClr val="tx1"/>
-              </a:solidFill>
-            </a:endParaRPr>
+              <a:t>возможности их визуального представления (кроме как списками) </a:t>
+            </a:r>
           </a:p>
           <a:p>
             <a:pPr marL="457200" indent="-457200" algn="l">
@@ -4365,64 +4589,7 @@
                   <a:schemeClr val="tx1"/>
                 </a:solidFill>
               </a:rPr>
-              <a:t>Определение требований </a:t>
-            </a:r>
-            <a:r>
-              <a:rPr lang="ru-RU" dirty="0">
-                <a:solidFill>
-                  <a:schemeClr val="tx1"/>
-                </a:solidFill>
-              </a:rPr>
-              <a:t>к разрабатываемому </a:t>
-            </a:r>
-            <a:r>
-              <a:rPr lang="ru-RU" dirty="0" smtClean="0">
-                <a:solidFill>
-                  <a:schemeClr val="tx1"/>
-                </a:solidFill>
-              </a:rPr>
-              <a:t>веб-сервису</a:t>
-            </a:r>
-          </a:p>
-          <a:p>
-            <a:pPr marL="457200" indent="-457200" algn="l">
-              <a:buFont typeface="Arial" panose="020B0604020202020204" pitchFamily="34" charset="0"/>
-              <a:buChar char="•"/>
-            </a:pPr>
-            <a:r>
-              <a:rPr lang="ru-RU" dirty="0" smtClean="0">
-                <a:solidFill>
-                  <a:schemeClr val="tx1"/>
-                </a:solidFill>
-              </a:rPr>
-              <a:t>Проектировка </a:t>
-            </a:r>
-            <a:r>
-              <a:rPr lang="ru-RU" dirty="0">
-                <a:solidFill>
-                  <a:schemeClr val="tx1"/>
-                </a:solidFill>
-              </a:rPr>
-              <a:t>базы данных </a:t>
-            </a:r>
-            <a:endParaRPr lang="ru-RU" dirty="0" smtClean="0">
-              <a:solidFill>
-                <a:schemeClr val="tx1"/>
-              </a:solidFill>
-            </a:endParaRPr>
-          </a:p>
-          <a:p>
-            <a:pPr marL="457200" indent="-457200" algn="l">
-              <a:buFont typeface="Arial" panose="020B0604020202020204" pitchFamily="34" charset="0"/>
-              <a:buChar char="•"/>
-            </a:pPr>
-            <a:r>
-              <a:rPr lang="ru-RU" dirty="0" smtClean="0">
-                <a:solidFill>
-                  <a:schemeClr val="tx1"/>
-                </a:solidFill>
-              </a:rPr>
-              <a:t>Разработка и тестирование веб-сервиса</a:t>
+              <a:t>системы напоминаний о прочитанном или отложенном</a:t>
             </a:r>
             <a:endParaRPr lang="ru-RU" dirty="0">
               <a:solidFill>
@@ -4430,19 +4597,12 @@
               </a:solidFill>
             </a:endParaRPr>
           </a:p>
-          <a:p>
-            <a:pPr marL="457200" indent="-457200">
-              <a:buFont typeface="Arial" panose="020B0604020202020204" pitchFamily="34" charset="0"/>
-              <a:buChar char="•"/>
-            </a:pPr>
-            <a:endParaRPr lang="ru-RU" dirty="0"/>
-          </a:p>
         </p:txBody>
       </p:sp>
     </p:spTree>
     <p:extLst>
       <p:ext uri="{BB962C8B-B14F-4D97-AF65-F5344CB8AC3E}">
-        <p14:creationId xmlns:p14="http://schemas.microsoft.com/office/powerpoint/2010/main" val="2550941481"/>
+        <p14:creationId xmlns:p14="http://schemas.microsoft.com/office/powerpoint/2010/main" val="2081038248"/>
       </p:ext>
     </p:extLst>
   </p:cSld>
@@ -4493,7 +4653,7 @@
           <a:p>
             <a:r>
               <a:rPr lang="ru-RU" dirty="0" smtClean="0"/>
-              <a:t>Предмет исследования</a:t>
+              <a:t>Цель работы и задачи исследования</a:t>
             </a:r>
             <a:endParaRPr lang="ru-RU" dirty="0"/>
           </a:p>
@@ -4516,9 +4676,60 @@
           </a:xfrm>
         </p:spPr>
         <p:txBody>
-          <a:bodyPr/>
-          <a:lstStyle/>
-          <a:p>
+          <a:bodyPr>
+            <a:normAutofit fontScale="85000" lnSpcReduction="20000"/>
+          </a:bodyPr>
+          <a:lstStyle/>
+          <a:p>
+            <a:pPr algn="just"/>
+            <a:r>
+              <a:rPr lang="ru-RU" b="1" dirty="0" smtClean="0">
+                <a:solidFill>
+                  <a:schemeClr val="tx1"/>
+                </a:solidFill>
+              </a:rPr>
+              <a:t>Цель работы: </a:t>
+            </a:r>
+            <a:r>
+              <a:rPr lang="ru-RU" dirty="0">
+                <a:solidFill>
+                  <a:schemeClr val="tx1"/>
+                </a:solidFill>
+              </a:rPr>
+              <a:t>организация для пользователей эффективного управления и обмена ссылками на </a:t>
+            </a:r>
+            <a:r>
+              <a:rPr lang="ru-RU" dirty="0" err="1">
+                <a:solidFill>
+                  <a:schemeClr val="tx1"/>
+                </a:solidFill>
+              </a:rPr>
+              <a:t>интернет-ресурсы</a:t>
+            </a:r>
+            <a:r>
+              <a:rPr lang="ru-RU" dirty="0">
+                <a:solidFill>
+                  <a:schemeClr val="tx1"/>
+                </a:solidFill>
+              </a:rPr>
+              <a:t>, повышения производительности работы и упрощения доступа к необходимой информации</a:t>
+            </a:r>
+            <a:r>
+              <a:rPr lang="ru-RU" dirty="0" smtClean="0">
+                <a:solidFill>
+                  <a:schemeClr val="tx1"/>
+                </a:solidFill>
+              </a:rPr>
+              <a:t>.</a:t>
+            </a:r>
+            <a:endParaRPr lang="ru-RU" dirty="0">
+              <a:solidFill>
+                <a:schemeClr val="tx1"/>
+              </a:solidFill>
+            </a:endParaRPr>
+          </a:p>
+          <a:p>
+            <a:pPr algn="l"/>
             <a:endParaRPr lang="ru-RU" dirty="0" smtClean="0">
               <a:solidFill>
                 <a:schemeClr val="tx1"/>
@@ -4526,6 +4737,129 @@
             </a:endParaRPr>
           </a:p>
           <a:p>
+            <a:pPr algn="l"/>
+            <a:r>
+              <a:rPr lang="ru-RU" b="1" dirty="0" smtClean="0">
+                <a:solidFill>
+                  <a:schemeClr val="tx1"/>
+                </a:solidFill>
+              </a:rPr>
+              <a:t>Задачи:</a:t>
+            </a:r>
+          </a:p>
+          <a:p>
+            <a:pPr marL="457200" indent="-457200" algn="l">
+              <a:buFont typeface="Arial" panose="020B0604020202020204" pitchFamily="34" charset="0"/>
+              <a:buChar char="•"/>
+            </a:pPr>
+            <a:r>
+              <a:rPr lang="ru-RU" dirty="0" smtClean="0">
+                <a:solidFill>
+                  <a:schemeClr val="tx1"/>
+                </a:solidFill>
+              </a:rPr>
+              <a:t>Анализ </a:t>
+            </a:r>
+            <a:r>
+              <a:rPr lang="ru-RU" dirty="0">
+                <a:solidFill>
+                  <a:schemeClr val="tx1"/>
+                </a:solidFill>
+              </a:rPr>
+              <a:t>предметной </a:t>
+            </a:r>
+            <a:r>
+              <a:rPr lang="ru-RU" dirty="0" smtClean="0">
+                <a:solidFill>
+                  <a:schemeClr val="tx1"/>
+                </a:solidFill>
+              </a:rPr>
+              <a:t>области, существующих </a:t>
+            </a:r>
+            <a:r>
+              <a:rPr lang="ru-RU" dirty="0">
+                <a:solidFill>
+                  <a:schemeClr val="tx1"/>
+                </a:solidFill>
+              </a:rPr>
+              <a:t>аналогов </a:t>
+            </a:r>
+            <a:endParaRPr lang="ru-RU" dirty="0" smtClean="0">
+              <a:solidFill>
+                <a:schemeClr val="tx1"/>
+              </a:solidFill>
+            </a:endParaRPr>
+          </a:p>
+          <a:p>
+            <a:pPr marL="457200" indent="-457200" algn="l">
+              <a:buFont typeface="Arial" panose="020B0604020202020204" pitchFamily="34" charset="0"/>
+              <a:buChar char="•"/>
+            </a:pPr>
+            <a:r>
+              <a:rPr lang="ru-RU" dirty="0" smtClean="0">
+                <a:solidFill>
+                  <a:schemeClr val="tx1"/>
+                </a:solidFill>
+              </a:rPr>
+              <a:t>Определение требований </a:t>
+            </a:r>
+            <a:r>
+              <a:rPr lang="ru-RU" dirty="0">
+                <a:solidFill>
+                  <a:schemeClr val="tx1"/>
+                </a:solidFill>
+              </a:rPr>
+              <a:t>к разрабатываемому </a:t>
+            </a:r>
+            <a:r>
+              <a:rPr lang="ru-RU" dirty="0" smtClean="0">
+                <a:solidFill>
+                  <a:schemeClr val="tx1"/>
+                </a:solidFill>
+              </a:rPr>
+              <a:t>веб-сервису</a:t>
+            </a:r>
+          </a:p>
+          <a:p>
+            <a:pPr marL="457200" indent="-457200" algn="l">
+              <a:buFont typeface="Arial" panose="020B0604020202020204" pitchFamily="34" charset="0"/>
+              <a:buChar char="•"/>
+            </a:pPr>
+            <a:r>
+              <a:rPr lang="ru-RU" dirty="0" smtClean="0">
+                <a:solidFill>
+                  <a:schemeClr val="tx1"/>
+                </a:solidFill>
+              </a:rPr>
+              <a:t>Проектировка </a:t>
+            </a:r>
+            <a:r>
+              <a:rPr lang="ru-RU" dirty="0">
+                <a:solidFill>
+                  <a:schemeClr val="tx1"/>
+                </a:solidFill>
+              </a:rPr>
+              <a:t>базы данных </a:t>
+            </a:r>
+            <a:endParaRPr lang="ru-RU" dirty="0" smtClean="0">
+              <a:solidFill>
+                <a:schemeClr val="tx1"/>
+              </a:solidFill>
+            </a:endParaRPr>
+          </a:p>
+          <a:p>
+            <a:pPr marL="457200" indent="-457200" algn="l">
+              <a:buFont typeface="Arial" panose="020B0604020202020204" pitchFamily="34" charset="0"/>
+              <a:buChar char="•"/>
+            </a:pPr>
+            <a:r>
+              <a:rPr lang="ru-RU" dirty="0" smtClean="0">
+                <a:solidFill>
+                  <a:schemeClr val="tx1"/>
+                </a:solidFill>
+              </a:rPr>
+              <a:t>Разработка и тестирование веб-сервиса</a:t>
+            </a:r>
             <a:endParaRPr lang="ru-RU" dirty="0">
               <a:solidFill>
                 <a:schemeClr val="tx1"/>
@@ -4533,50 +4867,18 @@
             </a:endParaRPr>
           </a:p>
           <a:p>
-            <a:r>
-              <a:rPr lang="ru-RU" dirty="0" smtClean="0">
-                <a:solidFill>
-                  <a:schemeClr val="tx1"/>
-                </a:solidFill>
-              </a:rPr>
-              <a:t>Предметом исследования является разработка </a:t>
-            </a:r>
-            <a:r>
-              <a:rPr lang="ru-RU" dirty="0">
-                <a:solidFill>
-                  <a:schemeClr val="tx1"/>
-                </a:solidFill>
-              </a:rPr>
-              <a:t>веб-сервиса для организации ссылок на </a:t>
-            </a:r>
-            <a:r>
-              <a:rPr lang="ru-RU" dirty="0" err="1" smtClean="0">
-                <a:solidFill>
-                  <a:schemeClr val="tx1"/>
-                </a:solidFill>
-              </a:rPr>
-              <a:t>интернет-ресурсы</a:t>
-            </a:r>
-            <a:r>
-              <a:rPr lang="ru-RU" dirty="0" smtClean="0">
-                <a:solidFill>
-                  <a:schemeClr val="tx1"/>
-                </a:solidFill>
-              </a:rPr>
-              <a:t>.</a:t>
-            </a:r>
-            <a:endParaRPr lang="ru-RU" dirty="0">
-              <a:solidFill>
-                <a:schemeClr val="tx1"/>
-              </a:solidFill>
-            </a:endParaRPr>
+            <a:pPr marL="457200" indent="-457200">
+              <a:buFont typeface="Arial" panose="020B0604020202020204" pitchFamily="34" charset="0"/>
+              <a:buChar char="•"/>
+            </a:pPr>
+            <a:endParaRPr lang="ru-RU" dirty="0"/>
           </a:p>
         </p:txBody>
       </p:sp>
     </p:spTree>
     <p:extLst>
       <p:ext uri="{BB962C8B-B14F-4D97-AF65-F5344CB8AC3E}">
-        <p14:creationId xmlns:p14="http://schemas.microsoft.com/office/powerpoint/2010/main" val="4098215581"/>
+        <p14:creationId xmlns:p14="http://schemas.microsoft.com/office/powerpoint/2010/main" val="2550941481"/>
       </p:ext>
     </p:extLst>
   </p:cSld>
@@ -4627,7 +4929,7 @@
           <a:p>
             <a:r>
               <a:rPr lang="ru-RU" dirty="0" smtClean="0"/>
-              <a:t>Практическая значимость</a:t>
+              <a:t>Предмет и объект исследования</a:t>
             </a:r>
             <a:endParaRPr lang="ru-RU" dirty="0"/>
           </a:p>
@@ -4653,32 +4955,6 @@
           <a:bodyPr/>
           <a:lstStyle/>
           <a:p>
-            <a:r>
-              <a:rPr lang="ru-RU" dirty="0" smtClean="0">
-                <a:solidFill>
-                  <a:schemeClr val="tx1"/>
-                </a:solidFill>
-              </a:rPr>
-              <a:t>Сервис облегчает процесс </a:t>
-            </a:r>
-            <a:r>
-              <a:rPr lang="ru-RU" dirty="0">
-                <a:solidFill>
-                  <a:schemeClr val="tx1"/>
-                </a:solidFill>
-              </a:rPr>
-              <a:t>поиска, хранения и управления информационными </a:t>
-            </a:r>
-            <a:r>
-              <a:rPr lang="ru-RU" dirty="0" smtClean="0">
-                <a:solidFill>
-                  <a:schemeClr val="tx1"/>
-                </a:solidFill>
-              </a:rPr>
-              <a:t>ресурсами, упрощает процесс запоминания и изучения информации.</a:t>
-            </a:r>
-          </a:p>
-          <a:p>
             <a:endParaRPr lang="ru-RU" dirty="0" smtClean="0">
               <a:solidFill>
                 <a:schemeClr val="tx1"/>
@@ -4686,13 +4962,14 @@
             </a:endParaRPr>
           </a:p>
           <a:p>
+            <a:pPr algn="just"/>
             <a:r>
               <a:rPr lang="ru-RU" b="1" dirty="0" smtClean="0">
                 <a:solidFill>
                   <a:schemeClr val="tx1"/>
                 </a:solidFill>
               </a:rPr>
-              <a:t>Следовательно: </a:t>
+              <a:t>Предметом</a:t>
             </a:r>
             <a:r>
               <a:rPr lang="ru-RU" dirty="0" smtClean="0">
@@ -4700,7 +4977,23 @@
                   <a:schemeClr val="tx1"/>
                 </a:solidFill>
               </a:rPr>
-              <a:t>экономится время </a:t>
+              <a:t> </a:t>
+            </a:r>
+            <a:r>
+              <a:rPr lang="ru-RU" b="1" dirty="0" smtClean="0">
+                <a:solidFill>
+                  <a:schemeClr val="tx1"/>
+                </a:solidFill>
+              </a:rPr>
+              <a:t>исследования</a:t>
+            </a:r>
+            <a:r>
+              <a:rPr lang="ru-RU" dirty="0" smtClean="0">
+                <a:solidFill>
+                  <a:schemeClr val="tx1"/>
+                </a:solidFill>
+              </a:rPr>
+              <a:t> является разработка </a:t>
             </a:r>
             <a:r>
               <a:rPr lang="ru-RU" dirty="0">
@@ -4708,7 +5001,15 @@
                   <a:schemeClr val="tx1"/>
                 </a:solidFill>
               </a:rPr>
-              <a:t>и </a:t>
+              <a:t>веб-сервиса для организации ссылок на </a:t>
+            </a:r>
+            <a:r>
+              <a:rPr lang="ru-RU" dirty="0" err="1" smtClean="0">
+                <a:solidFill>
+                  <a:schemeClr val="tx1"/>
+                </a:solidFill>
+              </a:rPr>
+              <a:t>интернет-ресурсы</a:t>
             </a:r>
             <a:r>
               <a:rPr lang="ru-RU" dirty="0" smtClean="0">
@@ -4716,20 +5017,42 @@
                   <a:schemeClr val="tx1"/>
                 </a:solidFill>
               </a:rPr>
-              <a:t>повышается эффективность работы пользователя или организации. </a:t>
-            </a:r>
-            <a:endParaRPr lang="ru-RU" dirty="0">
-              <a:solidFill>
-                <a:schemeClr val="tx1"/>
-              </a:solidFill>
-            </a:endParaRPr>
+              <a:t>.</a:t>
+            </a:r>
+          </a:p>
+          <a:p>
+            <a:pPr algn="just"/>
+            <a:r>
+              <a:rPr lang="ru-RU" b="1" dirty="0">
+                <a:solidFill>
+                  <a:schemeClr val="tx1"/>
+                </a:solidFill>
+              </a:rPr>
+              <a:t>Объектом исследования </a:t>
+            </a:r>
+            <a:r>
+              <a:rPr lang="ru-RU" dirty="0" smtClean="0">
+                <a:solidFill>
+                  <a:schemeClr val="tx1"/>
+                </a:solidFill>
+              </a:rPr>
+              <a:t>является </a:t>
+            </a:r>
+            <a:r>
+              <a:rPr lang="ru-RU" dirty="0">
+                <a:solidFill>
+                  <a:schemeClr val="tx1"/>
+                </a:solidFill>
+              </a:rPr>
+              <a:t>процесс управления информационными ресурсами в сети интернет.</a:t>
+            </a:r>
           </a:p>
         </p:txBody>
       </p:sp>
     </p:spTree>
     <p:extLst>
       <p:ext uri="{BB962C8B-B14F-4D97-AF65-F5344CB8AC3E}">
-        <p14:creationId xmlns:p14="http://schemas.microsoft.com/office/powerpoint/2010/main" val="2883119606"/>
+        <p14:creationId xmlns:p14="http://schemas.microsoft.com/office/powerpoint/2010/main" val="4098215581"/>
       </p:ext>
     </p:extLst>
   </p:cSld>
@@ -4780,7 +5103,7 @@
           <a:p>
             <a:r>
               <a:rPr lang="ru-RU" dirty="0" smtClean="0"/>
-              <a:t>Описание проблемы</a:t>
+              <a:t>Практическая значимость</a:t>
             </a:r>
             <a:endParaRPr lang="ru-RU" dirty="0"/>
           </a:p>
@@ -4806,79 +5129,35 @@
           <a:bodyPr/>
           <a:lstStyle/>
           <a:p>
-            <a:pPr algn="l"/>
-            <a:endParaRPr lang="ru-RU" dirty="0">
-              <a:solidFill>
-                <a:schemeClr val="tx1"/>
-              </a:solidFill>
-            </a:endParaRPr>
-          </a:p>
-          <a:p>
-            <a:pPr algn="l"/>
+            <a:pPr algn="just"/>
             <a:r>
               <a:rPr lang="ru-RU" dirty="0" smtClean="0">
                 <a:solidFill>
                   <a:schemeClr val="tx1"/>
                 </a:solidFill>
               </a:rPr>
-              <a:t>Большинство сервисов, обеспечивающих хранение и работу со ссылками, не имеют: </a:t>
-            </a:r>
-          </a:p>
-          <a:p>
-            <a:pPr algn="l"/>
+              <a:t>Разработанный </a:t>
+            </a:r>
+            <a:r>
+              <a:rPr lang="ru-RU" dirty="0">
+                <a:solidFill>
+                  <a:schemeClr val="tx1"/>
+                </a:solidFill>
+              </a:rPr>
+              <a:t>сервис значительно облегчит процесс поиска, хранения и управления информационными ресурсами для пользователей, что позволит экономить время и повысит их производительность.</a:t>
+            </a:r>
             <a:endParaRPr lang="ru-RU" dirty="0" smtClean="0">
               <a:solidFill>
                 <a:schemeClr val="tx1"/>
               </a:solidFill>
             </a:endParaRPr>
           </a:p>
-          <a:p>
-            <a:pPr marL="457200" indent="-457200" algn="l">
-              <a:buFont typeface="Arial" panose="020B0604020202020204" pitchFamily="34" charset="0"/>
-              <a:buChar char="•"/>
-            </a:pPr>
-            <a:r>
-              <a:rPr lang="ru-RU" dirty="0" smtClean="0">
-                <a:solidFill>
-                  <a:schemeClr val="tx1"/>
-                </a:solidFill>
-              </a:rPr>
-              <a:t>возможности их визуального представления (кроме как списками) </a:t>
-            </a:r>
-          </a:p>
-          <a:p>
-            <a:pPr marL="457200" indent="-457200" algn="l">
-              <a:buFont typeface="Arial" panose="020B0604020202020204" pitchFamily="34" charset="0"/>
-              <a:buChar char="•"/>
-            </a:pPr>
-            <a:r>
-              <a:rPr lang="ru-RU" dirty="0" smtClean="0">
-                <a:solidFill>
-                  <a:schemeClr val="tx1"/>
-                </a:solidFill>
-              </a:rPr>
-              <a:t>системы напоминаний о </a:t>
-            </a:r>
-            <a:r>
-              <a:rPr lang="ru-RU" dirty="0" smtClean="0">
-                <a:solidFill>
-                  <a:schemeClr val="tx1"/>
-                </a:solidFill>
-              </a:rPr>
-              <a:t>прочитанном или отложенном</a:t>
-            </a:r>
-            <a:endParaRPr lang="ru-RU" dirty="0">
-              <a:solidFill>
-                <a:schemeClr val="tx1"/>
-              </a:solidFill>
-            </a:endParaRPr>
-          </a:p>
         </p:txBody>
       </p:sp>
     </p:spTree>
     <p:extLst>
       <p:ext uri="{BB962C8B-B14F-4D97-AF65-F5344CB8AC3E}">
-        <p14:creationId xmlns:p14="http://schemas.microsoft.com/office/powerpoint/2010/main" val="2081038248"/>
+        <p14:creationId xmlns:p14="http://schemas.microsoft.com/office/powerpoint/2010/main" val="2883119606"/>
       </p:ext>
     </p:extLst>
   </p:cSld>
@@ -4963,21 +5242,8 @@
                   <a:schemeClr val="tx1"/>
                 </a:solidFill>
               </a:rPr>
-              <a:t>Критерии сравнения</a:t>
-            </a:r>
-            <a:r>
-              <a:rPr lang="ru-RU" sz="3600" dirty="0" smtClean="0">
-                <a:solidFill>
-                  <a:schemeClr val="tx1"/>
-                </a:solidFill>
-              </a:rPr>
-              <a:t>:</a:t>
-            </a:r>
-            <a:endParaRPr lang="ru-RU" sz="3600" dirty="0" smtClean="0">
-              <a:solidFill>
-                <a:schemeClr val="tx1"/>
-              </a:solidFill>
-            </a:endParaRPr>
+              <a:t>Критерии сравнения:</a:t>
+            </a:r>
           </a:p>
           <a:p>
             <a:pPr marL="457200" indent="-457200" algn="l">
@@ -4990,7 +5256,7 @@
                   <a:schemeClr val="tx1"/>
                 </a:solidFill>
               </a:rPr>
-              <a:t>Понятность интерфейса</a:t>
+              <a:t>Простота интерфейса</a:t>
             </a:r>
           </a:p>
           <a:p>
@@ -5006,11 +5272,6 @@
               </a:rPr>
               <a:t>Наличие возможностей группировки записей по категориям </a:t>
             </a:r>
-            <a:endParaRPr lang="ru-RU" sz="2800" dirty="0" smtClean="0">
-              <a:solidFill>
-                <a:schemeClr val="tx1"/>
-              </a:solidFill>
-            </a:endParaRPr>
           </a:p>
           <a:p>
             <a:pPr marL="457200" indent="-457200" algn="l">
@@ -5025,11 +5286,6 @@
               </a:rPr>
               <a:t>Разделение по отложенным и прочитанным записям</a:t>
             </a:r>
-            <a:endParaRPr lang="ru-RU" sz="2800" dirty="0" smtClean="0">
-              <a:solidFill>
-                <a:schemeClr val="tx1"/>
-              </a:solidFill>
-            </a:endParaRPr>
           </a:p>
           <a:p>
             <a:pPr marL="457200" indent="-457200" algn="l">
@@ -5184,6 +5440,157 @@
           <a:lstStyle/>
           <a:p>
             <a:r>
+              <a:rPr lang="ru-RU" dirty="0"/>
+              <a:t>Критерии простоты </a:t>
+            </a:r>
+            <a:r>
+              <a:rPr lang="ru-RU" dirty="0" smtClean="0"/>
+              <a:t>интерфейса</a:t>
+            </a:r>
+            <a:endParaRPr lang="ru-RU" dirty="0"/>
+          </a:p>
+        </p:txBody>
+      </p:sp>
+      <p:sp>
+        <p:nvSpPr>
+          <p:cNvPr id="3" name="Подзаголовок 2"/>
+          <p:cNvSpPr>
+            <a:spLocks noGrp="1"/>
+          </p:cNvSpPr>
+          <p:nvPr>
+            <p:ph type="subTitle" idx="1"/>
+          </p:nvPr>
+        </p:nvSpPr>
+        <p:spPr>
+          <a:xfrm>
+            <a:off x="498190" y="1844824"/>
+            <a:ext cx="8106258" cy="4536504"/>
+          </a:xfrm>
+        </p:spPr>
+        <p:txBody>
+          <a:bodyPr>
+            <a:normAutofit/>
+          </a:bodyPr>
+          <a:lstStyle/>
+          <a:p>
+            <a:pPr marL="571500" indent="-571500" algn="l">
+              <a:buFont typeface="Arial" panose="020B0604020202020204" pitchFamily="34" charset="0"/>
+              <a:buChar char="•"/>
+            </a:pPr>
+            <a:r>
+              <a:rPr lang="ru-RU" dirty="0" smtClean="0">
+                <a:solidFill>
+                  <a:schemeClr val="tx1"/>
+                </a:solidFill>
+              </a:rPr>
+              <a:t>Интуитивная понятность</a:t>
+            </a:r>
+          </a:p>
+          <a:p>
+            <a:pPr marL="571500" indent="-571500" algn="l">
+              <a:buFont typeface="Arial" panose="020B0604020202020204" pitchFamily="34" charset="0"/>
+              <a:buChar char="•"/>
+            </a:pPr>
+            <a:r>
+              <a:rPr lang="ru-RU" dirty="0" smtClean="0">
+                <a:solidFill>
+                  <a:schemeClr val="tx1"/>
+                </a:solidFill>
+              </a:rPr>
+              <a:t>Однозначность смысла элементов </a:t>
+            </a:r>
+          </a:p>
+          <a:p>
+            <a:pPr marL="571500" indent="-571500" algn="l">
+              <a:buFont typeface="Arial" panose="020B0604020202020204" pitchFamily="34" charset="0"/>
+              <a:buChar char="•"/>
+            </a:pPr>
+            <a:r>
+              <a:rPr lang="ru-RU" dirty="0" smtClean="0">
+                <a:solidFill>
+                  <a:schemeClr val="tx1"/>
+                </a:solidFill>
+              </a:rPr>
+              <a:t>Минимализм, не перегруженность</a:t>
+            </a:r>
+          </a:p>
+          <a:p>
+            <a:pPr marL="457200" indent="-457200" algn="l">
+              <a:buFont typeface="Arial" panose="020B0604020202020204" pitchFamily="34" charset="0"/>
+              <a:buChar char="•"/>
+            </a:pPr>
+            <a:endParaRPr lang="ru-RU" dirty="0">
+              <a:solidFill>
+                <a:schemeClr val="tx1"/>
+              </a:solidFill>
+            </a:endParaRPr>
+          </a:p>
+          <a:p>
+            <a:pPr marL="457200" indent="-457200" algn="l">
+              <a:buFont typeface="Arial" panose="020B0604020202020204" pitchFamily="34" charset="0"/>
+              <a:buChar char="•"/>
+            </a:pPr>
+            <a:endParaRPr lang="ru-RU" sz="2800" dirty="0" smtClean="0">
+              <a:solidFill>
+                <a:schemeClr val="tx1"/>
+              </a:solidFill>
+            </a:endParaRPr>
+          </a:p>
+        </p:txBody>
+      </p:sp>
+    </p:spTree>
+    <p:extLst>
+      <p:ext uri="{BB962C8B-B14F-4D97-AF65-F5344CB8AC3E}">
+        <p14:creationId xmlns:p14="http://schemas.microsoft.com/office/powerpoint/2010/main" val="1846995482"/>
+      </p:ext>
+    </p:extLst>
+  </p:cSld>
+  <p:clrMapOvr>
+    <a:masterClrMapping/>
+  </p:clrMapOvr>
+</p:sld>
+</file>
+
+<file path=ppt/slides/slide9.xml><?xml version="1.0" encoding="utf-8"?>
+<p:sld xmlns:a="http://schemas.openxmlformats.org/drawingml/2006/main" xmlns:r="http://schemas.openxmlformats.org/officeDocument/2006/relationships" xmlns:p="http://schemas.openxmlformats.org/presentationml/2006/main">
+  <p:cSld>
+    <p:spTree>
+      <p:nvGrpSpPr>
+        <p:cNvPr id="1" name=""/>
+        <p:cNvGrpSpPr/>
+        <p:nvPr/>
+      </p:nvGrpSpPr>
+      <p:grpSpPr>
+        <a:xfrm>
+          <a:off x="0" y="0"/>
+          <a:ext cx="0" cy="0"/>
+          <a:chOff x="0" y="0"/>
+          <a:chExt cx="0" cy="0"/>
+        </a:xfrm>
+      </p:grpSpPr>
+      <p:sp>
+        <p:nvSpPr>
+          <p:cNvPr id="2" name="Заголовок 1"/>
+          <p:cNvSpPr>
+            <a:spLocks noGrp="1"/>
+          </p:cNvSpPr>
+          <p:nvPr>
+            <p:ph type="ctrTitle"/>
+          </p:nvPr>
+        </p:nvSpPr>
+        <p:spPr>
+          <a:xfrm>
+            <a:off x="467544" y="188640"/>
+            <a:ext cx="8136904" cy="648071"/>
+          </a:xfrm>
+        </p:spPr>
+        <p:txBody>
+          <a:bodyPr>
+            <a:normAutofit fontScale="90000"/>
+          </a:bodyPr>
+          <a:lstStyle/>
+          <a:p>
+            <a:r>
               <a:rPr lang="ru-RU" dirty="0" smtClean="0"/>
               <a:t>Обзор аналогов</a:t>
             </a:r>
@@ -5200,7 +5607,7 @@
           <p:nvPr>
             <p:extLst>
               <p:ext uri="{D42A27DB-BD31-4B8C-83A1-F6EECF244321}">
-                <p14:modId xmlns:p14="http://schemas.microsoft.com/office/powerpoint/2010/main" val="2225174734"/>
+                <p14:modId xmlns:p14="http://schemas.microsoft.com/office/powerpoint/2010/main" val="1496558267"/>
               </p:ext>
             </p:extLst>
           </p:nvPr>
@@ -5243,7 +5650,7 @@
                       <a:pPr algn="ctr"/>
                       <a:r>
                         <a:rPr lang="ru-RU" dirty="0" smtClean="0"/>
-                        <a:t>Понятность интерфейса</a:t>
+                        <a:t>Простота интерфейса</a:t>
                       </a:r>
                       <a:endParaRPr lang="ru-RU" dirty="0"/>
                     </a:p>
@@ -5827,130 +6234,6 @@
 </p:sld>
 </file>
 
-<file path=ppt/slides/slide9.xml><?xml version="1.0" encoding="utf-8"?>
-<p:sld xmlns:a="http://schemas.openxmlformats.org/drawingml/2006/main" xmlns:r="http://schemas.openxmlformats.org/officeDocument/2006/relationships" xmlns:p="http://schemas.openxmlformats.org/presentationml/2006/main">
-  <p:cSld>
-    <p:spTree>
-      <p:nvGrpSpPr>
-        <p:cNvPr id="1" name=""/>
-        <p:cNvGrpSpPr/>
-        <p:nvPr/>
-      </p:nvGrpSpPr>
-      <p:grpSpPr>
-        <a:xfrm>
-          <a:off x="0" y="0"/>
-          <a:ext cx="0" cy="0"/>
-          <a:chOff x="0" y="0"/>
-          <a:chExt cx="0" cy="0"/>
-        </a:xfrm>
-      </p:grpSpPr>
-      <p:sp>
-        <p:nvSpPr>
-          <p:cNvPr id="2" name="Заголовок 1"/>
-          <p:cNvSpPr>
-            <a:spLocks noGrp="1"/>
-          </p:cNvSpPr>
-          <p:nvPr>
-            <p:ph type="ctrTitle"/>
-          </p:nvPr>
-        </p:nvSpPr>
-        <p:spPr>
-          <a:xfrm>
-            <a:off x="467544" y="188640"/>
-            <a:ext cx="8136904" cy="648071"/>
-          </a:xfrm>
-        </p:spPr>
-        <p:txBody>
-          <a:bodyPr>
-            <a:normAutofit fontScale="90000"/>
-          </a:bodyPr>
-          <a:lstStyle/>
-          <a:p>
-            <a:r>
-              <a:rPr lang="ru-RU" dirty="0" smtClean="0"/>
-              <a:t>Предлагаемое решение</a:t>
-            </a:r>
-            <a:endParaRPr lang="ru-RU" dirty="0"/>
-          </a:p>
-        </p:txBody>
-      </p:sp>
-      <p:pic>
-        <p:nvPicPr>
-          <p:cNvPr id="1026" name="Picture 2"/>
-          <p:cNvPicPr>
-            <a:picLocks noChangeAspect="1" noChangeArrowheads="1"/>
-          </p:cNvPicPr>
-          <p:nvPr/>
-        </p:nvPicPr>
-        <p:blipFill>
-          <a:blip r:embed="rId2">
-            <a:extLst>
-              <a:ext uri="{28A0092B-C50C-407E-A947-70E740481C1C}">
-                <a14:useLocalDpi xmlns:a14="http://schemas.microsoft.com/office/drawing/2010/main" val="0"/>
-              </a:ext>
-            </a:extLst>
-          </a:blip>
-          <a:srcRect/>
-          <a:stretch>
-            <a:fillRect/>
-          </a:stretch>
-        </p:blipFill>
-        <p:spPr bwMode="auto">
-          <a:xfrm>
-            <a:off x="179512" y="1268760"/>
-            <a:ext cx="8824363" cy="4912960"/>
-          </a:xfrm>
-          <a:prstGeom prst="rect">
-            <a:avLst/>
-          </a:prstGeom>
-          <a:noFill/>
-          <a:ln>
-            <a:noFill/>
-          </a:ln>
-          <a:effectLst/>
-          <a:extLst>
-            <a:ext uri="{909E8E84-426E-40DD-AFC4-6F175D3DCCD1}">
-              <a14:hiddenFill xmlns:a14="http://schemas.microsoft.com/office/drawing/2010/main">
-                <a:solidFill>
-                  <a:schemeClr val="accent1"/>
-                </a:solidFill>
-              </a14:hiddenFill>
-            </a:ext>
-            <a:ext uri="{91240B29-F687-4F45-9708-019B960494DF}">
-              <a14:hiddenLine xmlns:a14="http://schemas.microsoft.com/office/drawing/2010/main" w="9525">
-                <a:solidFill>
-                  <a:schemeClr val="tx1"/>
-                </a:solidFill>
-                <a:miter lim="800000"/>
-                <a:headEnd/>
-                <a:tailEnd/>
-              </a14:hiddenLine>
-            </a:ext>
-            <a:ext uri="{AF507438-7753-43E0-B8FC-AC1667EBCBE1}">
-              <a14:hiddenEffects xmlns:a14="http://schemas.microsoft.com/office/drawing/2010/main">
-                <a:effectLst>
-                  <a:outerShdw dist="35921" dir="2700000" algn="ctr" rotWithShape="0">
-                    <a:schemeClr val="bg2"/>
-                  </a:outerShdw>
-                </a:effectLst>
-              </a14:hiddenEffects>
-            </a:ext>
-          </a:extLst>
-        </p:spPr>
-      </p:pic>
-    </p:spTree>
-    <p:extLst>
-      <p:ext uri="{BB962C8B-B14F-4D97-AF65-F5344CB8AC3E}">
-        <p14:creationId xmlns:p14="http://schemas.microsoft.com/office/powerpoint/2010/main" val="3514561471"/>
-      </p:ext>
-    </p:extLst>
-  </p:cSld>
-  <p:clrMapOvr>
-    <a:masterClrMapping/>
-  </p:clrMapOvr>
-</p:sld>
-</file>
-
 <file path=ppt/theme/theme1.xml><?xml version="1.0" encoding="utf-8"?>
 <a:theme xmlns:a="http://schemas.openxmlformats.org/drawingml/2006/main" name="Тема Office">
   <a:themeElements>
